--- a/notebook/Project-3_Next-Hikes.ppt.pptx
+++ b/notebook/Project-3_Next-Hikes.ppt.pptx
@@ -138,6 +138,11 @@
       </a:defRPr>
     </a:lvl9pPr>
   </p:defaultTextStyle>
+  <p:extLst>
+    <p:ext uri="{EFAFB233-063F-42B5-8137-9DF3F51BA10A}">
+      <p15:sldGuideLst xmlns:p15="http://schemas.microsoft.com/office/powerpoint/2012/main"/>
+    </p:ext>
+  </p:extLst>
 </p:presentation>
 </file>
 
@@ -327,7 +332,7 @@
           <a:p>
             <a:fld id="{8F5FD2EE-7259-4489-91B1-D2437E888FB9}" type="datetimeFigureOut">
               <a:rPr lang="en-US" smtClean="0"/>
-              <a:t>28-Mar-2024</a:t>
+              <a:t>15-May-2024</a:t>
             </a:fld>
             <a:endParaRPr lang="en-US"/>
           </a:p>
@@ -602,7 +607,7 @@
           <a:p>
             <a:fld id="{8F5FD2EE-7259-4489-91B1-D2437E888FB9}" type="datetimeFigureOut">
               <a:rPr lang="en-US" smtClean="0"/>
-              <a:t>28-Mar-2024</a:t>
+              <a:t>15-May-2024</a:t>
             </a:fld>
             <a:endParaRPr lang="en-US"/>
           </a:p>
@@ -796,7 +801,7 @@
           <a:p>
             <a:fld id="{8F5FD2EE-7259-4489-91B1-D2437E888FB9}" type="datetimeFigureOut">
               <a:rPr lang="en-US" smtClean="0"/>
-              <a:t>28-Mar-2024</a:t>
+              <a:t>15-May-2024</a:t>
             </a:fld>
             <a:endParaRPr lang="en-US"/>
           </a:p>
@@ -1069,7 +1074,7 @@
           <a:p>
             <a:fld id="{8F5FD2EE-7259-4489-91B1-D2437E888FB9}" type="datetimeFigureOut">
               <a:rPr lang="en-US" smtClean="0"/>
-              <a:t>28-Mar-2024</a:t>
+              <a:t>15-May-2024</a:t>
             </a:fld>
             <a:endParaRPr lang="en-US"/>
           </a:p>
@@ -1410,7 +1415,7 @@
           <a:p>
             <a:fld id="{8F5FD2EE-7259-4489-91B1-D2437E888FB9}" type="datetimeFigureOut">
               <a:rPr lang="en-US" smtClean="0"/>
-              <a:t>28-Mar-2024</a:t>
+              <a:t>15-May-2024</a:t>
             </a:fld>
             <a:endParaRPr lang="en-US"/>
           </a:p>
@@ -2033,7 +2038,7 @@
           <a:p>
             <a:fld id="{8F5FD2EE-7259-4489-91B1-D2437E888FB9}" type="datetimeFigureOut">
               <a:rPr lang="en-US" smtClean="0"/>
-              <a:t>28-Mar-2024</a:t>
+              <a:t>15-May-2024</a:t>
             </a:fld>
             <a:endParaRPr lang="en-US"/>
           </a:p>
@@ -2893,7 +2898,7 @@
           <a:p>
             <a:fld id="{8F5FD2EE-7259-4489-91B1-D2437E888FB9}" type="datetimeFigureOut">
               <a:rPr lang="en-US" smtClean="0"/>
-              <a:t>28-Mar-2024</a:t>
+              <a:t>15-May-2024</a:t>
             </a:fld>
             <a:endParaRPr lang="en-US"/>
           </a:p>
@@ -3063,7 +3068,7 @@
           <a:p>
             <a:fld id="{8F5FD2EE-7259-4489-91B1-D2437E888FB9}" type="datetimeFigureOut">
               <a:rPr lang="en-US" smtClean="0"/>
-              <a:t>28-Mar-2024</a:t>
+              <a:t>15-May-2024</a:t>
             </a:fld>
             <a:endParaRPr lang="en-US"/>
           </a:p>
@@ -3243,7 +3248,7 @@
           <a:p>
             <a:fld id="{8F5FD2EE-7259-4489-91B1-D2437E888FB9}" type="datetimeFigureOut">
               <a:rPr lang="en-US" smtClean="0"/>
-              <a:t>28-Mar-2024</a:t>
+              <a:t>15-May-2024</a:t>
             </a:fld>
             <a:endParaRPr lang="en-US"/>
           </a:p>
@@ -3413,7 +3418,7 @@
           <a:p>
             <a:fld id="{8F5FD2EE-7259-4489-91B1-D2437E888FB9}" type="datetimeFigureOut">
               <a:rPr lang="en-US" smtClean="0"/>
-              <a:t>28-Mar-2024</a:t>
+              <a:t>15-May-2024</a:t>
             </a:fld>
             <a:endParaRPr lang="en-US"/>
           </a:p>
@@ -3660,7 +3665,7 @@
           <a:p>
             <a:fld id="{8F5FD2EE-7259-4489-91B1-D2437E888FB9}" type="datetimeFigureOut">
               <a:rPr lang="en-US" smtClean="0"/>
-              <a:t>28-Mar-2024</a:t>
+              <a:t>15-May-2024</a:t>
             </a:fld>
             <a:endParaRPr lang="en-US"/>
           </a:p>
@@ -3952,7 +3957,7 @@
           <a:p>
             <a:fld id="{8F5FD2EE-7259-4489-91B1-D2437E888FB9}" type="datetimeFigureOut">
               <a:rPr lang="en-US" smtClean="0"/>
-              <a:t>28-Mar-2024</a:t>
+              <a:t>15-May-2024</a:t>
             </a:fld>
             <a:endParaRPr lang="en-US"/>
           </a:p>
@@ -4396,7 +4401,7 @@
           <a:p>
             <a:fld id="{8F5FD2EE-7259-4489-91B1-D2437E888FB9}" type="datetimeFigureOut">
               <a:rPr lang="en-US" smtClean="0"/>
-              <a:t>28-Mar-2024</a:t>
+              <a:t>15-May-2024</a:t>
             </a:fld>
             <a:endParaRPr lang="en-US"/>
           </a:p>
@@ -4514,7 +4519,7 @@
           <a:p>
             <a:fld id="{8F5FD2EE-7259-4489-91B1-D2437E888FB9}" type="datetimeFigureOut">
               <a:rPr lang="en-US" smtClean="0"/>
-              <a:t>28-Mar-2024</a:t>
+              <a:t>15-May-2024</a:t>
             </a:fld>
             <a:endParaRPr lang="en-US"/>
           </a:p>
@@ -4609,7 +4614,7 @@
           <a:p>
             <a:fld id="{8F5FD2EE-7259-4489-91B1-D2437E888FB9}" type="datetimeFigureOut">
               <a:rPr lang="en-US" smtClean="0"/>
-              <a:t>28-Mar-2024</a:t>
+              <a:t>15-May-2024</a:t>
             </a:fld>
             <a:endParaRPr lang="en-US"/>
           </a:p>
@@ -4888,7 +4893,7 @@
           <a:p>
             <a:fld id="{8F5FD2EE-7259-4489-91B1-D2437E888FB9}" type="datetimeFigureOut">
               <a:rPr lang="en-US" smtClean="0"/>
-              <a:t>28-Mar-2024</a:t>
+              <a:t>15-May-2024</a:t>
             </a:fld>
             <a:endParaRPr lang="en-US"/>
           </a:p>
@@ -5163,7 +5168,7 @@
           <a:p>
             <a:fld id="{8F5FD2EE-7259-4489-91B1-D2437E888FB9}" type="datetimeFigureOut">
               <a:rPr lang="en-US" smtClean="0"/>
-              <a:t>28-Mar-2024</a:t>
+              <a:t>15-May-2024</a:t>
             </a:fld>
             <a:endParaRPr lang="en-US"/>
           </a:p>
@@ -5592,7 +5597,7 @@
           <a:p>
             <a:fld id="{8F5FD2EE-7259-4489-91B1-D2437E888FB9}" type="datetimeFigureOut">
               <a:rPr lang="en-US" smtClean="0"/>
-              <a:t>28-Mar-2024</a:t>
+              <a:t>15-May-2024</a:t>
             </a:fld>
             <a:endParaRPr lang="en-US"/>
           </a:p>
@@ -6390,8 +6395,8 @@
         </p:nvSpPr>
         <p:spPr>
           <a:xfrm>
-            <a:off x="8249477" y="5891958"/>
-            <a:ext cx="3687418" cy="830997"/>
+            <a:off x="8050696" y="5891958"/>
+            <a:ext cx="3886199" cy="830997"/>
           </a:xfrm>
           <a:prstGeom prst="rect">
             <a:avLst/>
@@ -6422,7 +6427,7 @@
                 <a:latin typeface="Arial" panose="020B0604020202020204" pitchFamily="34" charset="0"/>
                 <a:cs typeface="Arial" panose="020B0604020202020204" pitchFamily="34" charset="0"/>
               </a:rPr>
-              <a:t>25-Mar-2024</a:t>
+              <a:t>15-May-2024</a:t>
             </a:r>
           </a:p>
         </p:txBody>
